--- a/Presentation1.pptx
+++ b/Presentation1.pptx
@@ -243,7 +243,7 @@
           <a:p>
             <a:fld id="{B1E8152C-ED2F-42FA-95EA-8194DF3942BF}" type="datetimeFigureOut">
               <a:rPr lang="en-IN" smtClean="0"/>
-              <a:t>08-11-2025</a:t>
+              <a:t>10-11-2025</a:t>
             </a:fld>
             <a:endParaRPr lang="en-IN"/>
           </a:p>
@@ -413,7 +413,7 @@
           <a:p>
             <a:fld id="{B1E8152C-ED2F-42FA-95EA-8194DF3942BF}" type="datetimeFigureOut">
               <a:rPr lang="en-IN" smtClean="0"/>
-              <a:t>08-11-2025</a:t>
+              <a:t>10-11-2025</a:t>
             </a:fld>
             <a:endParaRPr lang="en-IN"/>
           </a:p>
@@ -593,7 +593,7 @@
           <a:p>
             <a:fld id="{B1E8152C-ED2F-42FA-95EA-8194DF3942BF}" type="datetimeFigureOut">
               <a:rPr lang="en-IN" smtClean="0"/>
-              <a:t>08-11-2025</a:t>
+              <a:t>10-11-2025</a:t>
             </a:fld>
             <a:endParaRPr lang="en-IN"/>
           </a:p>
@@ -763,7 +763,7 @@
           <a:p>
             <a:fld id="{B1E8152C-ED2F-42FA-95EA-8194DF3942BF}" type="datetimeFigureOut">
               <a:rPr lang="en-IN" smtClean="0"/>
-              <a:t>08-11-2025</a:t>
+              <a:t>10-11-2025</a:t>
             </a:fld>
             <a:endParaRPr lang="en-IN"/>
           </a:p>
@@ -1007,7 +1007,7 @@
           <a:p>
             <a:fld id="{B1E8152C-ED2F-42FA-95EA-8194DF3942BF}" type="datetimeFigureOut">
               <a:rPr lang="en-IN" smtClean="0"/>
-              <a:t>08-11-2025</a:t>
+              <a:t>10-11-2025</a:t>
             </a:fld>
             <a:endParaRPr lang="en-IN"/>
           </a:p>
@@ -1239,7 +1239,7 @@
           <a:p>
             <a:fld id="{B1E8152C-ED2F-42FA-95EA-8194DF3942BF}" type="datetimeFigureOut">
               <a:rPr lang="en-IN" smtClean="0"/>
-              <a:t>08-11-2025</a:t>
+              <a:t>10-11-2025</a:t>
             </a:fld>
             <a:endParaRPr lang="en-IN"/>
           </a:p>
@@ -1606,7 +1606,7 @@
           <a:p>
             <a:fld id="{B1E8152C-ED2F-42FA-95EA-8194DF3942BF}" type="datetimeFigureOut">
               <a:rPr lang="en-IN" smtClean="0"/>
-              <a:t>08-11-2025</a:t>
+              <a:t>10-11-2025</a:t>
             </a:fld>
             <a:endParaRPr lang="en-IN"/>
           </a:p>
@@ -1724,7 +1724,7 @@
           <a:p>
             <a:fld id="{B1E8152C-ED2F-42FA-95EA-8194DF3942BF}" type="datetimeFigureOut">
               <a:rPr lang="en-IN" smtClean="0"/>
-              <a:t>08-11-2025</a:t>
+              <a:t>10-11-2025</a:t>
             </a:fld>
             <a:endParaRPr lang="en-IN"/>
           </a:p>
@@ -1819,7 +1819,7 @@
           <a:p>
             <a:fld id="{B1E8152C-ED2F-42FA-95EA-8194DF3942BF}" type="datetimeFigureOut">
               <a:rPr lang="en-IN" smtClean="0"/>
-              <a:t>08-11-2025</a:t>
+              <a:t>10-11-2025</a:t>
             </a:fld>
             <a:endParaRPr lang="en-IN"/>
           </a:p>
@@ -2096,7 +2096,7 @@
           <a:p>
             <a:fld id="{B1E8152C-ED2F-42FA-95EA-8194DF3942BF}" type="datetimeFigureOut">
               <a:rPr lang="en-IN" smtClean="0"/>
-              <a:t>08-11-2025</a:t>
+              <a:t>10-11-2025</a:t>
             </a:fld>
             <a:endParaRPr lang="en-IN"/>
           </a:p>
@@ -2353,7 +2353,7 @@
           <a:p>
             <a:fld id="{B1E8152C-ED2F-42FA-95EA-8194DF3942BF}" type="datetimeFigureOut">
               <a:rPr lang="en-IN" smtClean="0"/>
-              <a:t>08-11-2025</a:t>
+              <a:t>10-11-2025</a:t>
             </a:fld>
             <a:endParaRPr lang="en-IN"/>
           </a:p>
@@ -2575,7 +2575,7 @@
           <a:p>
             <a:fld id="{B1E8152C-ED2F-42FA-95EA-8194DF3942BF}" type="datetimeFigureOut">
               <a:rPr lang="en-IN" smtClean="0"/>
-              <a:t>08-11-2025</a:t>
+              <a:t>10-11-2025</a:t>
             </a:fld>
             <a:endParaRPr lang="en-IN"/>
           </a:p>
@@ -3042,7 +3042,7 @@
         </p:nvSpPr>
         <p:spPr>
           <a:xfrm>
-            <a:off x="1921933" y="3603576"/>
+            <a:off x="2181013" y="3404167"/>
             <a:ext cx="4157134" cy="286682"/>
           </a:xfrm>
           <a:prstGeom prst="rect">
@@ -3237,8 +3237,8 @@
         </p:nvSpPr>
         <p:spPr>
           <a:xfrm>
-            <a:off x="2142068" y="4917522"/>
-            <a:ext cx="1803400" cy="286682"/>
+            <a:off x="1940560" y="4714749"/>
+            <a:ext cx="2020148" cy="286682"/>
           </a:xfrm>
           <a:prstGeom prst="rect">
             <a:avLst/>
@@ -3253,7 +3253,7 @@
           <a:p>
             <a:pPr algn="ctr"/>
             <a:r>
-              <a:rPr lang="en-US" sz="1263" dirty="0">
+              <a:rPr lang="en-US" sz="1263">
                 <a:solidFill>
                   <a:srgbClr val="3F4277"/>
                 </a:solidFill>
@@ -3262,7 +3262,7 @@
               </a:rPr>
               <a:t>ap2</a:t>
             </a:r>
-            <a:endParaRPr lang="en-IN" sz="1263" dirty="0">
+            <a:endParaRPr lang="en-US" sz="1263" dirty="0">
               <a:solidFill>
                 <a:srgbClr val="3F4277"/>
               </a:solidFill>
@@ -3323,10 +3323,10 @@
       </p:sp>
       <p:sp>
         <p:nvSpPr>
-          <p:cNvPr id="2" name="TextBox 1">
+          <p:cNvPr id="3" name="TextBox 2">
             <a:extLst>
               <a:ext uri="{FF2B5EF4-FFF2-40B4-BE49-F238E27FC236}">
-                <a16:creationId xmlns:a16="http://schemas.microsoft.com/office/drawing/2014/main" id="{AA458511-FDAD-FB43-52CC-B9495AEBFA0C}"/>
+                <a16:creationId xmlns:a16="http://schemas.microsoft.com/office/drawing/2014/main" id="{83551057-DC24-EC4A-E747-4C5DF0376BC7}"/>
               </a:ext>
             </a:extLst>
           </p:cNvPr>
@@ -3335,8 +3335,8 @@
         </p:nvSpPr>
         <p:spPr>
           <a:xfrm>
-            <a:off x="1921933" y="2722133"/>
-            <a:ext cx="2513063" cy="286682"/>
+            <a:off x="2094652" y="3601798"/>
+            <a:ext cx="4326467" cy="286682"/>
           </a:xfrm>
           <a:prstGeom prst="rect">
             <a:avLst/>
@@ -3350,13 +3350,19 @@
           <a:lstStyle/>
           <a:p>
             <a:r>
-              <a:rPr lang="en-US" sz="1263" dirty="0" err="1">
+              <a:rPr lang="en-US" sz="1263" dirty="0">
+                <a:solidFill>
+                  <a:srgbClr val="3F4277"/>
+                </a:solidFill>
                 <a:latin typeface="Arial" panose="020B0604020202020204" pitchFamily="34" charset="0"/>
                 <a:cs typeface="Arial" panose="020B0604020202020204" pitchFamily="34" charset="0"/>
               </a:rPr>
-              <a:t>idno</a:t>
+              <a:t>address</a:t>
             </a:r>
             <a:endParaRPr lang="en-IN" sz="1263" dirty="0">
+              <a:solidFill>
+                <a:srgbClr val="3F4277"/>
+              </a:solidFill>
               <a:latin typeface="Arial" panose="020B0604020202020204" pitchFamily="34" charset="0"/>
               <a:cs typeface="Arial" panose="020B0604020202020204" pitchFamily="34" charset="0"/>
             </a:endParaRPr>

--- a/Presentation1.pptx
+++ b/Presentation1.pptx
@@ -243,7 +243,7 @@
           <a:p>
             <a:fld id="{B1E8152C-ED2F-42FA-95EA-8194DF3942BF}" type="datetimeFigureOut">
               <a:rPr lang="en-IN" smtClean="0"/>
-              <a:t>10-11-2025</a:t>
+              <a:t>13-11-2025</a:t>
             </a:fld>
             <a:endParaRPr lang="en-IN"/>
           </a:p>
@@ -413,7 +413,7 @@
           <a:p>
             <a:fld id="{B1E8152C-ED2F-42FA-95EA-8194DF3942BF}" type="datetimeFigureOut">
               <a:rPr lang="en-IN" smtClean="0"/>
-              <a:t>10-11-2025</a:t>
+              <a:t>13-11-2025</a:t>
             </a:fld>
             <a:endParaRPr lang="en-IN"/>
           </a:p>
@@ -593,7 +593,7 @@
           <a:p>
             <a:fld id="{B1E8152C-ED2F-42FA-95EA-8194DF3942BF}" type="datetimeFigureOut">
               <a:rPr lang="en-IN" smtClean="0"/>
-              <a:t>10-11-2025</a:t>
+              <a:t>13-11-2025</a:t>
             </a:fld>
             <a:endParaRPr lang="en-IN"/>
           </a:p>
@@ -763,7 +763,7 @@
           <a:p>
             <a:fld id="{B1E8152C-ED2F-42FA-95EA-8194DF3942BF}" type="datetimeFigureOut">
               <a:rPr lang="en-IN" smtClean="0"/>
-              <a:t>10-11-2025</a:t>
+              <a:t>13-11-2025</a:t>
             </a:fld>
             <a:endParaRPr lang="en-IN"/>
           </a:p>
@@ -1007,7 +1007,7 @@
           <a:p>
             <a:fld id="{B1E8152C-ED2F-42FA-95EA-8194DF3942BF}" type="datetimeFigureOut">
               <a:rPr lang="en-IN" smtClean="0"/>
-              <a:t>10-11-2025</a:t>
+              <a:t>13-11-2025</a:t>
             </a:fld>
             <a:endParaRPr lang="en-IN"/>
           </a:p>
@@ -1239,7 +1239,7 @@
           <a:p>
             <a:fld id="{B1E8152C-ED2F-42FA-95EA-8194DF3942BF}" type="datetimeFigureOut">
               <a:rPr lang="en-IN" smtClean="0"/>
-              <a:t>10-11-2025</a:t>
+              <a:t>13-11-2025</a:t>
             </a:fld>
             <a:endParaRPr lang="en-IN"/>
           </a:p>
@@ -1606,7 +1606,7 @@
           <a:p>
             <a:fld id="{B1E8152C-ED2F-42FA-95EA-8194DF3942BF}" type="datetimeFigureOut">
               <a:rPr lang="en-IN" smtClean="0"/>
-              <a:t>10-11-2025</a:t>
+              <a:t>13-11-2025</a:t>
             </a:fld>
             <a:endParaRPr lang="en-IN"/>
           </a:p>
@@ -1724,7 +1724,7 @@
           <a:p>
             <a:fld id="{B1E8152C-ED2F-42FA-95EA-8194DF3942BF}" type="datetimeFigureOut">
               <a:rPr lang="en-IN" smtClean="0"/>
-              <a:t>10-11-2025</a:t>
+              <a:t>13-11-2025</a:t>
             </a:fld>
             <a:endParaRPr lang="en-IN"/>
           </a:p>
@@ -1819,7 +1819,7 @@
           <a:p>
             <a:fld id="{B1E8152C-ED2F-42FA-95EA-8194DF3942BF}" type="datetimeFigureOut">
               <a:rPr lang="en-IN" smtClean="0"/>
-              <a:t>10-11-2025</a:t>
+              <a:t>13-11-2025</a:t>
             </a:fld>
             <a:endParaRPr lang="en-IN"/>
           </a:p>
@@ -2096,7 +2096,7 @@
           <a:p>
             <a:fld id="{B1E8152C-ED2F-42FA-95EA-8194DF3942BF}" type="datetimeFigureOut">
               <a:rPr lang="en-IN" smtClean="0"/>
-              <a:t>10-11-2025</a:t>
+              <a:t>13-11-2025</a:t>
             </a:fld>
             <a:endParaRPr lang="en-IN"/>
           </a:p>
@@ -2353,7 +2353,7 @@
           <a:p>
             <a:fld id="{B1E8152C-ED2F-42FA-95EA-8194DF3942BF}" type="datetimeFigureOut">
               <a:rPr lang="en-IN" smtClean="0"/>
-              <a:t>10-11-2025</a:t>
+              <a:t>13-11-2025</a:t>
             </a:fld>
             <a:endParaRPr lang="en-IN"/>
           </a:p>
@@ -2575,7 +2575,7 @@
           <a:p>
             <a:fld id="{B1E8152C-ED2F-42FA-95EA-8194DF3942BF}" type="datetimeFigureOut">
               <a:rPr lang="en-IN" smtClean="0"/>
-              <a:t>10-11-2025</a:t>
+              <a:t>13-11-2025</a:t>
             </a:fld>
             <a:endParaRPr lang="en-IN"/>
           </a:p>
@@ -3189,7 +3189,7 @@
         <p:spPr>
           <a:xfrm>
             <a:off x="5139267" y="4428067"/>
-            <a:ext cx="1926167" cy="286682"/>
+            <a:ext cx="2020148" cy="286682"/>
           </a:xfrm>
           <a:prstGeom prst="rect">
             <a:avLst/>
@@ -3237,7 +3237,7 @@
         </p:nvSpPr>
         <p:spPr>
           <a:xfrm>
-            <a:off x="1940560" y="4714749"/>
+            <a:off x="1980352" y="4881172"/>
             <a:ext cx="2020148" cy="286682"/>
           </a:xfrm>
           <a:prstGeom prst="rect">
@@ -3253,7 +3253,7 @@
           <a:p>
             <a:pPr algn="ctr"/>
             <a:r>
-              <a:rPr lang="en-US" sz="1263">
+              <a:rPr lang="en-US" sz="1263" dirty="0">
                 <a:solidFill>
                   <a:srgbClr val="3F4277"/>
                 </a:solidFill>
@@ -3262,13 +3262,6 @@
               </a:rPr>
               <a:t>ap2</a:t>
             </a:r>
-            <a:endParaRPr lang="en-US" sz="1263" dirty="0">
-              <a:solidFill>
-                <a:srgbClr val="3F4277"/>
-              </a:solidFill>
-              <a:latin typeface="Arial" panose="020B0604020202020204" pitchFamily="34" charset="0"/>
-              <a:cs typeface="Arial" panose="020B0604020202020204" pitchFamily="34" charset="0"/>
-            </a:endParaRPr>
           </a:p>
         </p:txBody>
       </p:sp>
